--- a/Tercer_Trimetres/Sistema-Devolucion.pptx
+++ b/Tercer_Trimetres/Sistema-Devolucion.pptx
@@ -305,8 +305,11 @@
     </a:lvl9pPr>
   </p:defaultTextStyle>
   <p:extLst>
+    <p:ext uri="{EFAFB233-063F-42B5-8137-9DF3F51BA10A}">
+      <p15:sldGuideLst xmlns:p15="http://schemas.microsoft.com/office/powerpoint/2012/main"/>
+    </p:ext>
     <p:ext uri="GoogleSlidesCustomDataVersion2">
-      <go:slidesCustomData xmlns:go="http://customooxmlschemas.google.com/" xmlns:ahyp="http://schemas.microsoft.com/office/drawing/2018/hyperlinkcolor" xmlns:p15="http://schemas.microsoft.com/office/powerpoint/2012/main" xmlns:p14="http://schemas.microsoft.com/office/powerpoint/2010/main" xmlns:com="http://schemas.openxmlformats.org/drawingml/2006/compatibility" xmlns:pvml="urn:schemas-microsoft-com:office:powerpoint" xmlns:v="urn:schemas-microsoft-com:vml" xmlns:o="urn:schemas-microsoft-com:office:office" xmlns:dgm="http://schemas.openxmlformats.org/drawingml/2006/diagram" xmlns:c="http://schemas.openxmlformats.org/drawingml/2006/chart" xmlns:mv="urn:schemas-microsoft-com:mac:vml" xmlns:mc="http://schemas.openxmlformats.org/markup-compatibility/2006" xmlns="" r:id="rId62" roundtripDataSignature="AMtx7mjZTYG2eG9BhfiW/kVXBaOA4CbrxA=="/>
+      <go:slidesCustomData xmlns="" xmlns:mc="http://schemas.openxmlformats.org/markup-compatibility/2006" xmlns:mv="urn:schemas-microsoft-com:mac:vml" xmlns:c="http://schemas.openxmlformats.org/drawingml/2006/chart" xmlns:dgm="http://schemas.openxmlformats.org/drawingml/2006/diagram" xmlns:o="urn:schemas-microsoft-com:office:office" xmlns:v="urn:schemas-microsoft-com:vml" xmlns:pvml="urn:schemas-microsoft-com:office:powerpoint" xmlns:com="http://schemas.openxmlformats.org/drawingml/2006/compatibility" xmlns:p14="http://schemas.microsoft.com/office/powerpoint/2010/main" xmlns:p15="http://schemas.microsoft.com/office/powerpoint/2012/main" xmlns:ahyp="http://schemas.microsoft.com/office/drawing/2018/hyperlinkcolor" xmlns:go="http://customooxmlschemas.google.com/" r:id="rId62" roundtripDataSignature="AMtx7mjZTYG2eG9BhfiW/kVXBaOA4CbrxA=="/>
     </p:ext>
   </p:extLst>
 </p:presentation>
@@ -12893,6 +12896,36 @@
           </a:p>
         </p:txBody>
       </p:sp>
+      <p:pic>
+        <p:nvPicPr>
+          <p:cNvPr id="3" name="Imagen 2">
+            <a:extLst>
+              <a:ext uri="{FF2B5EF4-FFF2-40B4-BE49-F238E27FC236}">
+                <a16:creationId xmlns:a16="http://schemas.microsoft.com/office/drawing/2014/main" id="{237DD1A8-D93F-1C5B-C7D9-0AF1A7110F1E}"/>
+              </a:ext>
+            </a:extLst>
+          </p:cNvPr>
+          <p:cNvPicPr>
+            <a:picLocks noChangeAspect="1"/>
+          </p:cNvPicPr>
+          <p:nvPr/>
+        </p:nvPicPr>
+        <p:blipFill>
+          <a:blip r:embed="rId3"/>
+          <a:stretch>
+            <a:fillRect/>
+          </a:stretch>
+        </p:blipFill>
+        <p:spPr>
+          <a:xfrm>
+            <a:off x="336351" y="911679"/>
+            <a:ext cx="8471297" cy="4231821"/>
+          </a:xfrm>
+          <a:prstGeom prst="rect">
+            <a:avLst/>
+          </a:prstGeom>
+        </p:spPr>
+      </p:pic>
     </p:spTree>
   </p:cSld>
   <p:clrMapOvr>
@@ -13070,6 +13103,36 @@
           </a:p>
         </p:txBody>
       </p:sp>
+      <p:pic>
+        <p:nvPicPr>
+          <p:cNvPr id="3" name="Imagen 2">
+            <a:extLst>
+              <a:ext uri="{FF2B5EF4-FFF2-40B4-BE49-F238E27FC236}">
+                <a16:creationId xmlns:a16="http://schemas.microsoft.com/office/drawing/2014/main" id="{06C4006B-B205-1550-F80B-48D9CF44B800}"/>
+              </a:ext>
+            </a:extLst>
+          </p:cNvPr>
+          <p:cNvPicPr>
+            <a:picLocks noChangeAspect="1"/>
+          </p:cNvPicPr>
+          <p:nvPr/>
+        </p:nvPicPr>
+        <p:blipFill>
+          <a:blip r:embed="rId3"/>
+          <a:stretch>
+            <a:fillRect/>
+          </a:stretch>
+        </p:blipFill>
+        <p:spPr>
+          <a:xfrm>
+            <a:off x="1012650" y="771385"/>
+            <a:ext cx="7405511" cy="4233333"/>
+          </a:xfrm>
+          <a:prstGeom prst="rect">
+            <a:avLst/>
+          </a:prstGeom>
+        </p:spPr>
+      </p:pic>
     </p:spTree>
   </p:cSld>
   <p:clrMapOvr>
